--- a/Java in Education For JUGs With Notes.pptx
+++ b/Java in Education For JUGs With Notes.pptx
@@ -12945,7 +12945,7 @@
         <a:p>
           <a:r>
             <a:rPr lang="en-CA" dirty="0"/>
-            <a:t>The length of the load expressed in months called the term</a:t>
+            <a:t>The length of the loan expressed in months called the term</a:t>
           </a:r>
           <a:endParaRPr lang="en-US" dirty="0"/>
         </a:p>
@@ -18752,7 +18752,7 @@
           </a:pPr>
           <a:r>
             <a:rPr lang="en-CA" sz="2100" kern="1200" dirty="0"/>
-            <a:t>The length of the load expressed in months called the term</a:t>
+            <a:t>The length of the loan expressed in months called the term</a:t>
           </a:r>
           <a:endParaRPr lang="en-US" sz="2100" kern="1200" dirty="0"/>
         </a:p>
@@ -44997,7 +44997,7 @@
             <p:ph idx="1"/>
             <p:extLst>
               <p:ext uri="{D42A27DB-BD31-4B8C-83A1-F6EECF244321}">
-                <p14:modId xmlns:p14="http://schemas.microsoft.com/office/powerpoint/2010/main" val="2969377008"/>
+                <p14:modId xmlns:p14="http://schemas.microsoft.com/office/powerpoint/2010/main" val="2844108143"/>
               </p:ext>
             </p:extLst>
           </p:nvPr>

--- a/Java in Education For JUGs With Notes.pptx
+++ b/Java in Education For JUGs With Notes.pptx
@@ -32896,7 +32896,7 @@
           <a:p>
             <a:fld id="{9121783E-A17C-4404-A1E8-2924B9744901}" type="datetimeFigureOut">
               <a:rPr lang="en-CA" smtClean="0"/>
-              <a:t>2020-07-09</a:t>
+              <a:t>2022-08-31</a:t>
             </a:fld>
             <a:endParaRPr lang="en-CA"/>
           </a:p>
@@ -33073,7 +33073,7 @@
           <a:p>
             <a:fld id="{38056CE0-E3A8-4B04-85A3-E31915DD9E24}" type="datetimeFigureOut">
               <a:rPr lang="en-CA" smtClean="0"/>
-              <a:t>2020-07-09</a:t>
+              <a:t>2022-08-31</a:t>
             </a:fld>
             <a:endParaRPr lang="en-CA"/>
           </a:p>
@@ -33387,13 +33387,29 @@
           <a:p>
             <a:r>
               <a:rPr lang="en-CA" dirty="0"/>
-              <a:t>If you plan to do the demonstrations you will need a computer with Java 14. The demonstrations require JShell and the ability to run java from the command line. Java 14 is required as preview features are being used.</a:t>
-            </a:r>
-          </a:p>
-          <a:p>
+              <a:t>The demonstrations require </a:t>
+            </a:r>
+            <a:r>
+              <a:rPr lang="en-CA" dirty="0" err="1"/>
+              <a:t>JShell</a:t>
+            </a:r>
             <a:r>
               <a:rPr lang="en-CA" dirty="0"/>
-              <a:t>Download the files from the </a:t>
+              <a:t> and the ability to run java from the command line</a:t>
+            </a:r>
+            <a:r>
+              <a:rPr lang="en-CA"/>
+              <a:t>. </a:t>
+            </a:r>
+          </a:p>
+          <a:p>
+            <a:r>
+              <a:rPr lang="en-CA"/>
+              <a:t>Download </a:t>
+            </a:r>
+            <a:r>
+              <a:rPr lang="en-CA" dirty="0"/>
+              <a:t>the files from the </a:t>
             </a:r>
             <a:r>
               <a:rPr lang="en-CA" dirty="0" err="1"/>
@@ -33413,7 +33429,15 @@
           <a:p>
             <a:r>
               <a:rPr lang="en-CA" dirty="0"/>
-              <a:t>Open the JShellDemoCode.txt in an editor as you will need to copy the contents of the file into the JShell Edit Pad.</a:t>
+              <a:t>Open the JShellDemoCode.txt in an editor as you will need to copy the contents of the file into the </a:t>
+            </a:r>
+            <a:r>
+              <a:rPr lang="en-CA" dirty="0" err="1"/>
+              <a:t>JShell</a:t>
+            </a:r>
+            <a:r>
+              <a:rPr lang="en-CA" dirty="0"/>
+              <a:t> Edit Pad.</a:t>
             </a:r>
           </a:p>
           <a:p>
@@ -33425,7 +33449,15 @@
           <a:p>
             <a:r>
               <a:rPr lang="en-CA" dirty="0"/>
-              <a:t>Open a JShell console.</a:t>
+              <a:t>Open a </a:t>
+            </a:r>
+            <a:r>
+              <a:rPr lang="en-CA" dirty="0" err="1"/>
+              <a:t>JShell</a:t>
+            </a:r>
+            <a:r>
+              <a:rPr lang="en-CA" dirty="0"/>
+              <a:t> console.</a:t>
             </a:r>
           </a:p>
           <a:p>
@@ -33433,9 +33465,6 @@
               <a:rPr lang="en-CA" dirty="0"/>
               <a:t>You are ready to begin.</a:t>
             </a:r>
-          </a:p>
-          <a:p>
-            <a:endParaRPr lang="en-CA" dirty="0"/>
           </a:p>
           <a:p>
             <a:endParaRPr lang="en-CA" dirty="0"/>
@@ -33545,6 +33574,9 @@
               <a:t>The next two examples show an HTML page as a single string. It should be obvious which one makes more sense.</a:t>
             </a:r>
           </a:p>
+          <a:p>
+            <a:endParaRPr lang="en-CA" dirty="0"/>
+          </a:p>
         </p:txBody>
       </p:sp>
       <p:sp>
@@ -33627,10 +33659,30 @@
           <a:bodyPr/>
           <a:lstStyle/>
           <a:p>
+            <a:pPr marL="0" marR="0" lvl="0" indent="0" algn="l" defTabSz="914400" rtl="0" eaLnBrk="1" fontAlgn="auto" latinLnBrk="0" hangingPunct="1">
+              <a:lnSpc>
+                <a:spcPct val="100000"/>
+              </a:lnSpc>
+              <a:spcBef>
+                <a:spcPts val="0"/>
+              </a:spcBef>
+              <a:spcAft>
+                <a:spcPts val="0"/>
+              </a:spcAft>
+              <a:buClrTx/>
+              <a:buSzTx/>
+              <a:buFontTx/>
+              <a:buNone/>
+              <a:tabLst/>
+              <a:defRPr/>
+            </a:pPr>
             <a:r>
               <a:rPr lang="en-CA" dirty="0"/>
               <a:t>The bad old days of quotation marks, pluses and strings.</a:t>
             </a:r>
+          </a:p>
+          <a:p>
+            <a:endParaRPr lang="en-CA" dirty="0"/>
           </a:p>
         </p:txBody>
       </p:sp>
@@ -33748,6 +33800,9 @@
           <a:p>
             <a:endParaRPr lang="en-CA" dirty="0"/>
           </a:p>
+          <a:p>
+            <a:endParaRPr lang="en-CA" dirty="0"/>
+          </a:p>
         </p:txBody>
       </p:sp>
       <p:sp>
@@ -33871,6 +33926,9 @@
               <a:t>Its even more dramatic when reducing the amount of code you need to write as the next slide will show.</a:t>
             </a:r>
           </a:p>
+          <a:p>
+            <a:endParaRPr lang="en-CA" dirty="0"/>
+          </a:p>
         </p:txBody>
       </p:sp>
       <p:sp>
@@ -33991,6 +34049,9 @@
           <a:p>
             <a:endParaRPr lang="en-CA" dirty="0"/>
           </a:p>
+          <a:p>
+            <a:endParaRPr lang="en-CA" dirty="0"/>
+          </a:p>
         </p:txBody>
       </p:sp>
       <p:sp>
@@ -34075,7 +34136,7 @@
           <a:p>
             <a:r>
               <a:rPr lang="en-CA" dirty="0"/>
-              <a:t>The JavaBean style class is the go to class design for holding data.</a:t>
+              <a:t>The JavaBean style class has been the go to class design for holding data.</a:t>
             </a:r>
           </a:p>
           <a:p>
@@ -34129,6 +34190,9 @@
               <a:rPr lang="en-CA" dirty="0"/>
               <a:t>Immutable data objects can take center stage in an application.</a:t>
             </a:r>
+          </a:p>
+          <a:p>
+            <a:endParaRPr lang="en-CA" dirty="0"/>
           </a:p>
           <a:p>
             <a:endParaRPr lang="en-CA" dirty="0"/>
@@ -34293,6 +34357,9 @@
               <a:t>The new compact constructor allows for validation if required.</a:t>
             </a:r>
           </a:p>
+          <a:p>
+            <a:endParaRPr lang="en-CA" dirty="0"/>
+          </a:p>
         </p:txBody>
       </p:sp>
       <p:sp>
@@ -34422,6 +34489,9 @@
           <a:p>
             <a:endParaRPr lang="en-CA" dirty="0"/>
           </a:p>
+          <a:p>
+            <a:endParaRPr lang="en-CA" dirty="0"/>
+          </a:p>
         </p:txBody>
       </p:sp>
       <p:sp>
@@ -34738,6 +34808,9 @@
           <a:p>
             <a:endParaRPr lang="en-CA" dirty="0"/>
           </a:p>
+          <a:p>
+            <a:endParaRPr lang="en-CA" dirty="0"/>
+          </a:p>
         </p:txBody>
       </p:sp>
       <p:sp>
@@ -34843,6 +34916,9 @@
               <a:t>It is about dispelling the myth that Python is an easier language to understand and significantly more compact in its code.</a:t>
             </a:r>
           </a:p>
+          <a:p>
+            <a:endParaRPr lang="en-CA" dirty="0"/>
+          </a:p>
         </p:txBody>
       </p:sp>
       <p:sp>
@@ -34948,6 +35024,9 @@
               <a:t>In this presentation we will look at enhancements to Java that continue to make Java the best language for education for new programmers.</a:t>
             </a:r>
           </a:p>
+          <a:p>
+            <a:endParaRPr lang="en-CA" dirty="0"/>
+          </a:p>
         </p:txBody>
       </p:sp>
       <p:sp>
@@ -35091,6 +35170,9 @@
           <a:p>
             <a:endParaRPr lang="en-CA" dirty="0"/>
           </a:p>
+          <a:p>
+            <a:endParaRPr lang="en-CA" dirty="0"/>
+          </a:p>
         </p:txBody>
       </p:sp>
       <p:sp>
@@ -35208,6 +35290,9 @@
           <a:p>
             <a:endParaRPr lang="en-CA" dirty="0"/>
           </a:p>
+          <a:p>
+            <a:endParaRPr lang="en-CA" dirty="0"/>
+          </a:p>
         </p:txBody>
       </p:sp>
       <p:sp>
@@ -35328,6 +35413,9 @@
           <a:p>
             <a:endParaRPr lang="en-CA" dirty="0"/>
           </a:p>
+          <a:p>
+            <a:endParaRPr lang="en-CA" dirty="0"/>
+          </a:p>
         </p:txBody>
       </p:sp>
       <p:sp>
@@ -35457,6 +35545,9 @@
           <a:p>
             <a:endParaRPr lang="en-CA" dirty="0"/>
           </a:p>
+          <a:p>
+            <a:endParaRPr lang="en-CA" dirty="0"/>
+          </a:p>
         </p:txBody>
       </p:sp>
       <p:sp>
@@ -35565,6 +35656,9 @@
           <a:p>
             <a:endParaRPr lang="en-CA" dirty="0"/>
           </a:p>
+          <a:p>
+            <a:endParaRPr lang="en-CA" dirty="0"/>
+          </a:p>
         </p:txBody>
       </p:sp>
       <p:sp>
@@ -35661,6 +35755,9 @@
               <a:t>This means that Java skills and many Java libraries can be used in other languages..</a:t>
             </a:r>
           </a:p>
+          <a:p>
+            <a:endParaRPr lang="en-CA" dirty="0"/>
+          </a:p>
         </p:txBody>
       </p:sp>
       <p:sp>
@@ -35805,6 +35902,9 @@
           <a:p>
             <a:endParaRPr lang="en-CA" dirty="0"/>
           </a:p>
+          <a:p>
+            <a:endParaRPr lang="en-CA" dirty="0"/>
+          </a:p>
         </p:txBody>
       </p:sp>
       <p:sp>
@@ -35940,6 +36040,9 @@
           <a:p>
             <a:endParaRPr lang="en-CA" dirty="0"/>
           </a:p>
+          <a:p>
+            <a:endParaRPr lang="en-CA" dirty="0"/>
+          </a:p>
         </p:txBody>
       </p:sp>
       <p:sp>
@@ -36190,10 +36293,30 @@
           <a:bodyPr/>
           <a:lstStyle/>
           <a:p>
+            <a:pPr marL="0" marR="0" lvl="0" indent="0" algn="l" defTabSz="914400" rtl="0" eaLnBrk="1" fontAlgn="auto" latinLnBrk="0" hangingPunct="1">
+              <a:lnSpc>
+                <a:spcPct val="100000"/>
+              </a:lnSpc>
+              <a:spcBef>
+                <a:spcPts val="0"/>
+              </a:spcBef>
+              <a:spcAft>
+                <a:spcPts val="0"/>
+              </a:spcAft>
+              <a:buClrTx/>
+              <a:buSzTx/>
+              <a:buFontTx/>
+              <a:buNone/>
+              <a:tabLst/>
+              <a:defRPr/>
+            </a:pPr>
             <a:r>
               <a:rPr lang="en-CA" dirty="0"/>
               <a:t>The standard arguments against Java.</a:t>
             </a:r>
+          </a:p>
+          <a:p>
+            <a:endParaRPr lang="en-CA" dirty="0"/>
           </a:p>
         </p:txBody>
       </p:sp>
@@ -36277,10 +36400,30 @@
           <a:bodyPr/>
           <a:lstStyle/>
           <a:p>
+            <a:pPr marL="0" marR="0" lvl="0" indent="0" algn="l" defTabSz="914400" rtl="0" eaLnBrk="1" fontAlgn="auto" latinLnBrk="0" hangingPunct="1">
+              <a:lnSpc>
+                <a:spcPct val="100000"/>
+              </a:lnSpc>
+              <a:spcBef>
+                <a:spcPts val="0"/>
+              </a:spcBef>
+              <a:spcAft>
+                <a:spcPts val="0"/>
+              </a:spcAft>
+              <a:buClrTx/>
+              <a:buSzTx/>
+              <a:buFontTx/>
+              <a:buNone/>
+              <a:tabLst/>
+              <a:defRPr/>
+            </a:pPr>
             <a:r>
               <a:rPr lang="en-CA" dirty="0"/>
               <a:t>Myths persist everywhere.</a:t>
             </a:r>
+          </a:p>
+          <a:p>
+            <a:endParaRPr lang="en-CA" dirty="0"/>
           </a:p>
         </p:txBody>
       </p:sp>
@@ -36364,10 +36507,30 @@
           <a:bodyPr/>
           <a:lstStyle/>
           <a:p>
+            <a:pPr marL="0" marR="0" lvl="0" indent="0" algn="l" defTabSz="914400" rtl="0" eaLnBrk="1" fontAlgn="auto" latinLnBrk="0" hangingPunct="1">
+              <a:lnSpc>
+                <a:spcPct val="100000"/>
+              </a:lnSpc>
+              <a:spcBef>
+                <a:spcPts val="0"/>
+              </a:spcBef>
+              <a:spcAft>
+                <a:spcPts val="0"/>
+              </a:spcAft>
+              <a:buClrTx/>
+              <a:buSzTx/>
+              <a:buFontTx/>
+              <a:buNone/>
+              <a:tabLst/>
+              <a:defRPr/>
+            </a:pPr>
             <a:r>
               <a:rPr lang="en-CA" dirty="0"/>
               <a:t>Java remains in the top two, more often as number 1.</a:t>
             </a:r>
+          </a:p>
+          <a:p>
+            <a:endParaRPr lang="en-CA" dirty="0"/>
           </a:p>
         </p:txBody>
       </p:sp>
@@ -36474,6 +36637,9 @@
               <a:t>If you know both languages then which direction is easier: Java to Python or Python to Java?</a:t>
             </a:r>
           </a:p>
+          <a:p>
+            <a:endParaRPr lang="en-CA" dirty="0"/>
+          </a:p>
         </p:txBody>
       </p:sp>
       <p:sp>
@@ -36557,8 +36723,12 @@
           <a:lstStyle/>
           <a:p>
             <a:r>
+              <a:rPr lang="en-CA" dirty="0" err="1"/>
+              <a:t>JShell</a:t>
+            </a:r>
+            <a:r>
               <a:rPr lang="en-CA" dirty="0"/>
-              <a:t>JShell is all about immediate feedback.</a:t>
+              <a:t> is all about immediate feedback.</a:t>
             </a:r>
           </a:p>
           <a:p>
@@ -36582,19 +36752,43 @@
           <a:p>
             <a:r>
               <a:rPr lang="en-CA" dirty="0"/>
-              <a:t>Using its own built in JShell Edit Pad you can write full methods and execute them right away.</a:t>
-            </a:r>
-          </a:p>
-          <a:p>
+              <a:t>Using its own built in </a:t>
+            </a:r>
+            <a:r>
+              <a:rPr lang="en-CA" dirty="0" err="1"/>
+              <a:t>JShell</a:t>
+            </a:r>
             <a:r>
               <a:rPr lang="en-CA" dirty="0"/>
-              <a:t>Bring the JShell console/terminal window to the foreground</a:t>
+              <a:t> Edit Pad you can write full methods and execute them right away.</a:t>
             </a:r>
           </a:p>
           <a:p>
             <a:r>
               <a:rPr lang="en-CA" dirty="0"/>
-              <a:t>Enter “/edit” to open the JShell Edit Pad.</a:t>
+              <a:t>Bring the </a:t>
+            </a:r>
+            <a:r>
+              <a:rPr lang="en-CA" dirty="0" err="1"/>
+              <a:t>JShell</a:t>
+            </a:r>
+            <a:r>
+              <a:rPr lang="en-CA" dirty="0"/>
+              <a:t> console/terminal window to the foreground</a:t>
+            </a:r>
+          </a:p>
+          <a:p>
+            <a:r>
+              <a:rPr lang="en-CA" dirty="0"/>
+              <a:t>Enter “/edit” to open the </a:t>
+            </a:r>
+            <a:r>
+              <a:rPr lang="en-CA" dirty="0" err="1"/>
+              <a:t>JShell</a:t>
+            </a:r>
+            <a:r>
+              <a:rPr lang="en-CA" dirty="0"/>
+              <a:t> Edit Pad.</a:t>
             </a:r>
           </a:p>
           <a:p>
@@ -36606,14 +36800,33 @@
           <a:p>
             <a:r>
               <a:rPr lang="en-CA" dirty="0"/>
-              <a:t>Copy the text and paste it into the JShell Edit Pad and click on the buttons ‘Accept’ and then ‘Exit’.</a:t>
-            </a:r>
-          </a:p>
-          <a:p>
+              <a:t>Copy the text and paste it into the </a:t>
+            </a:r>
+            <a:r>
+              <a:rPr lang="en-CA" dirty="0" err="1"/>
+              <a:t>JShell</a:t>
+            </a:r>
             <a:r>
               <a:rPr lang="en-CA" dirty="0"/>
-              <a:t>Now type ‘loan()’ at the prompt in JShell. You can now enter an amount of money to borrow, the annual interest rate and the number of months you will take to repay the loan.</a:t>
-            </a:r>
+              <a:t> Edit Pad and click on the buttons ‘Accept’ and then ‘Exit’.</a:t>
+            </a:r>
+          </a:p>
+          <a:p>
+            <a:r>
+              <a:rPr lang="en-CA" dirty="0"/>
+              <a:t>Now type ‘loan()’ at the prompt in </a:t>
+            </a:r>
+            <a:r>
+              <a:rPr lang="en-CA" dirty="0" err="1"/>
+              <a:t>JShell</a:t>
+            </a:r>
+            <a:r>
+              <a:rPr lang="en-CA" dirty="0"/>
+              <a:t>. You can now enter an amount of money to borrow, the annual interest rate and the number of months you will take to repay the loan.</a:t>
+            </a:r>
+          </a:p>
+          <a:p>
+            <a:endParaRPr lang="en-CA" dirty="0"/>
           </a:p>
         </p:txBody>
       </p:sp>
@@ -36774,6 +36987,9 @@
           <a:p>
             <a:endParaRPr lang="en-CA" dirty="0"/>
           </a:p>
+          <a:p>
+            <a:endParaRPr lang="en-CA" dirty="0"/>
+          </a:p>
         </p:txBody>
       </p:sp>
       <p:sp>
@@ -36922,6 +37138,9 @@
               <a:rPr lang="en-CA" dirty="0"/>
               <a:t> is neglecting to instantiate a reference. With var it must be instantiated. </a:t>
             </a:r>
+          </a:p>
+          <a:p>
+            <a:endParaRPr lang="en-CA" dirty="0"/>
           </a:p>
         </p:txBody>
       </p:sp>
@@ -37110,7 +37329,7 @@
           <a:p>
             <a:fld id="{34109114-E13B-445C-81F4-3F8D639FE469}" type="datetimeFigureOut">
               <a:rPr lang="en-CA" smtClean="0"/>
-              <a:t>2020-07-09</a:t>
+              <a:t>2022-08-31</a:t>
             </a:fld>
             <a:endParaRPr lang="en-CA"/>
           </a:p>
@@ -37310,7 +37529,7 @@
           <a:p>
             <a:fld id="{34109114-E13B-445C-81F4-3F8D639FE469}" type="datetimeFigureOut">
               <a:rPr lang="en-CA" smtClean="0"/>
-              <a:t>2020-07-09</a:t>
+              <a:t>2022-08-31</a:t>
             </a:fld>
             <a:endParaRPr lang="en-CA"/>
           </a:p>
@@ -37520,7 +37739,7 @@
           <a:p>
             <a:fld id="{34109114-E13B-445C-81F4-3F8D639FE469}" type="datetimeFigureOut">
               <a:rPr lang="en-CA" smtClean="0"/>
-              <a:t>2020-07-09</a:t>
+              <a:t>2022-08-31</a:t>
             </a:fld>
             <a:endParaRPr lang="en-CA"/>
           </a:p>
@@ -37720,7 +37939,7 @@
           <a:p>
             <a:fld id="{34109114-E13B-445C-81F4-3F8D639FE469}" type="datetimeFigureOut">
               <a:rPr lang="en-CA" smtClean="0"/>
-              <a:t>2020-07-09</a:t>
+              <a:t>2022-08-31</a:t>
             </a:fld>
             <a:endParaRPr lang="en-CA"/>
           </a:p>
@@ -37996,7 +38215,7 @@
           <a:p>
             <a:fld id="{34109114-E13B-445C-81F4-3F8D639FE469}" type="datetimeFigureOut">
               <a:rPr lang="en-CA" smtClean="0"/>
-              <a:t>2020-07-09</a:t>
+              <a:t>2022-08-31</a:t>
             </a:fld>
             <a:endParaRPr lang="en-CA"/>
           </a:p>
@@ -38264,7 +38483,7 @@
           <a:p>
             <a:fld id="{34109114-E13B-445C-81F4-3F8D639FE469}" type="datetimeFigureOut">
               <a:rPr lang="en-CA" smtClean="0"/>
-              <a:t>2020-07-09</a:t>
+              <a:t>2022-08-31</a:t>
             </a:fld>
             <a:endParaRPr lang="en-CA"/>
           </a:p>
@@ -38679,7 +38898,7 @@
           <a:p>
             <a:fld id="{34109114-E13B-445C-81F4-3F8D639FE469}" type="datetimeFigureOut">
               <a:rPr lang="en-CA" smtClean="0"/>
-              <a:t>2020-07-09</a:t>
+              <a:t>2022-08-31</a:t>
             </a:fld>
             <a:endParaRPr lang="en-CA"/>
           </a:p>
@@ -38821,7 +39040,7 @@
           <a:p>
             <a:fld id="{34109114-E13B-445C-81F4-3F8D639FE469}" type="datetimeFigureOut">
               <a:rPr lang="en-CA" smtClean="0"/>
-              <a:t>2020-07-09</a:t>
+              <a:t>2022-08-31</a:t>
             </a:fld>
             <a:endParaRPr lang="en-CA"/>
           </a:p>
@@ -38934,7 +39153,7 @@
           <a:p>
             <a:fld id="{34109114-E13B-445C-81F4-3F8D639FE469}" type="datetimeFigureOut">
               <a:rPr lang="en-CA" smtClean="0"/>
-              <a:t>2020-07-09</a:t>
+              <a:t>2022-08-31</a:t>
             </a:fld>
             <a:endParaRPr lang="en-CA"/>
           </a:p>
@@ -39247,7 +39466,7 @@
           <a:p>
             <a:fld id="{34109114-E13B-445C-81F4-3F8D639FE469}" type="datetimeFigureOut">
               <a:rPr lang="en-CA" smtClean="0"/>
-              <a:t>2020-07-09</a:t>
+              <a:t>2022-08-31</a:t>
             </a:fld>
             <a:endParaRPr lang="en-CA"/>
           </a:p>
@@ -39536,7 +39755,7 @@
           <a:p>
             <a:fld id="{34109114-E13B-445C-81F4-3F8D639FE469}" type="datetimeFigureOut">
               <a:rPr lang="en-CA" smtClean="0"/>
-              <a:t>2020-07-09</a:t>
+              <a:t>2022-08-31</a:t>
             </a:fld>
             <a:endParaRPr lang="en-CA"/>
           </a:p>
@@ -39779,7 +39998,7 @@
           <a:p>
             <a:fld id="{34109114-E13B-445C-81F4-3F8D639FE469}" type="datetimeFigureOut">
               <a:rPr lang="en-CA" smtClean="0"/>
-              <a:t>2020-07-09</a:t>
+              <a:t>2022-08-31</a:t>
             </a:fld>
             <a:endParaRPr lang="en-CA"/>
           </a:p>
@@ -45618,8 +45837,8 @@
         </p:nvSpPr>
         <p:spPr>
           <a:xfrm rot="16200000">
-            <a:off x="-1413878" y="493995"/>
-            <a:ext cx="4608871" cy="1325563"/>
+            <a:off x="-2451254" y="2435210"/>
+            <a:ext cx="6185875" cy="1315453"/>
           </a:xfrm>
           <a:prstGeom prst="rect">
             <a:avLst/>
@@ -45653,7 +45872,7 @@
                   <a:schemeClr val="bg1"/>
                 </a:solidFill>
               </a:rPr>
-              <a:t>Basic Python</a:t>
+              <a:t>Stream of Consciousness Python</a:t>
             </a:r>
           </a:p>
         </p:txBody>
@@ -45818,7 +46037,7 @@
                 <a:latin typeface="Consolas" panose="020B0609020204030204" pitchFamily="49" charset="0"/>
                 <a:ea typeface="M+ 1m" panose="020B0509020203020207" pitchFamily="49" charset="-128"/>
               </a:rPr>
-              <a:t>        Scanner </a:t>
+              <a:t>        var </a:t>
             </a:r>
             <a:r>
               <a:rPr lang="en-CA" sz="1600" b="1" dirty="0" err="1">
@@ -45853,7 +46072,7 @@
                 <a:latin typeface="Consolas" panose="020B0609020204030204" pitchFamily="49" charset="0"/>
                 <a:ea typeface="M+ 1m" panose="020B0509020203020207" pitchFamily="49" charset="-128"/>
               </a:rPr>
-              <a:t>System.out.print</a:t>
+              <a:t>System.out.printf</a:t>
             </a:r>
             <a:r>
               <a:rPr lang="en-CA" sz="1600" b="1" dirty="0">
@@ -45874,7 +46093,7 @@
                 <a:latin typeface="Consolas" panose="020B0609020204030204" pitchFamily="49" charset="0"/>
                 <a:ea typeface="M+ 1m" panose="020B0509020203020207" pitchFamily="49" charset="-128"/>
               </a:rPr>
-              <a:t>        double loan = </a:t>
+              <a:t>        var loan = </a:t>
             </a:r>
             <a:r>
               <a:rPr lang="en-CA" sz="1600" b="1" dirty="0" err="1">
@@ -45909,7 +46128,7 @@
                 <a:latin typeface="Consolas" panose="020B0609020204030204" pitchFamily="49" charset="0"/>
                 <a:ea typeface="M+ 1m" panose="020B0509020203020207" pitchFamily="49" charset="-128"/>
               </a:rPr>
-              <a:t>System.out.print</a:t>
+              <a:t>System.out.printf</a:t>
             </a:r>
             <a:r>
               <a:rPr lang="en-CA" sz="1600" b="1" dirty="0">
@@ -45930,7 +46149,7 @@
                 <a:latin typeface="Consolas" panose="020B0609020204030204" pitchFamily="49" charset="0"/>
                 <a:ea typeface="M+ 1m" panose="020B0509020203020207" pitchFamily="49" charset="-128"/>
               </a:rPr>
-              <a:t>        double interest = </a:t>
+              <a:t>        var interest = </a:t>
             </a:r>
             <a:r>
               <a:rPr lang="en-CA" sz="1600" b="1" dirty="0" err="1">
@@ -45965,7 +46184,7 @@
                 <a:latin typeface="Consolas" panose="020B0609020204030204" pitchFamily="49" charset="0"/>
                 <a:ea typeface="M+ 1m" panose="020B0509020203020207" pitchFamily="49" charset="-128"/>
               </a:rPr>
-              <a:t>System.out.print</a:t>
+              <a:t>System.out.printf</a:t>
             </a:r>
             <a:r>
               <a:rPr lang="en-CA" sz="1600" b="1" dirty="0">
@@ -45986,7 +46205,7 @@
                 <a:latin typeface="Consolas" panose="020B0609020204030204" pitchFamily="49" charset="0"/>
                 <a:ea typeface="M+ 1m" panose="020B0509020203020207" pitchFamily="49" charset="-128"/>
               </a:rPr>
-              <a:t>        double term = </a:t>
+              <a:t>        var term = </a:t>
             </a:r>
             <a:r>
               <a:rPr lang="en-CA" sz="1600" b="1" dirty="0" err="1">
@@ -46014,7 +46233,7 @@
                 <a:latin typeface="Consolas" panose="020B0609020204030204" pitchFamily="49" charset="0"/>
                 <a:ea typeface="M+ 1m" panose="020B0509020203020207" pitchFamily="49" charset="-128"/>
               </a:rPr>
-              <a:t>        double </a:t>
+              <a:t>        var </a:t>
             </a:r>
             <a:r>
               <a:rPr lang="en-CA" sz="1600" b="1" dirty="0" err="1">
@@ -46042,7 +46261,7 @@
                 <a:latin typeface="Consolas" panose="020B0609020204030204" pitchFamily="49" charset="0"/>
                 <a:ea typeface="M+ 1m" panose="020B0509020203020207" pitchFamily="49" charset="-128"/>
               </a:rPr>
-              <a:t>        double result = loan * </a:t>
+              <a:t>        var result = loan * </a:t>
             </a:r>
           </a:p>
           <a:p>
@@ -46119,28 +46338,14 @@
                 <a:latin typeface="Consolas" panose="020B0609020204030204" pitchFamily="49" charset="0"/>
                 <a:ea typeface="M+ 1m" panose="020B0509020203020207" pitchFamily="49" charset="-128"/>
               </a:rPr>
-              <a:t>System.out.println</a:t>
+              <a:t>System.out.printf</a:t>
             </a:r>
             <a:r>
               <a:rPr lang="en-CA" sz="1600" b="1" dirty="0">
                 <a:latin typeface="Consolas" panose="020B0609020204030204" pitchFamily="49" charset="0"/>
                 <a:ea typeface="M+ 1m" panose="020B0509020203020207" pitchFamily="49" charset="-128"/>
               </a:rPr>
-              <a:t>("Monthly Payment: " + </a:t>
-            </a:r>
-            <a:r>
-              <a:rPr lang="en-CA" sz="1600" b="1" dirty="0" err="1">
-                <a:latin typeface="Consolas" panose="020B0609020204030204" pitchFamily="49" charset="0"/>
-                <a:ea typeface="M+ 1m" panose="020B0509020203020207" pitchFamily="49" charset="-128"/>
-              </a:rPr>
-              <a:t>String.format</a:t>
-            </a:r>
-            <a:r>
-              <a:rPr lang="en-CA" sz="1600" b="1" dirty="0">
-                <a:latin typeface="Consolas" panose="020B0609020204030204" pitchFamily="49" charset="0"/>
-                <a:ea typeface="M+ 1m" panose="020B0509020203020207" pitchFamily="49" charset="-128"/>
-              </a:rPr>
-              <a:t>("%.2f", result));</a:t>
+              <a:t>("Monthly Payment: %.2f%n", result);</a:t>
             </a:r>
           </a:p>
           <a:p>
@@ -46187,7 +46392,7 @@
         </p:nvSpPr>
         <p:spPr>
           <a:xfrm>
-            <a:off x="-16042" y="0"/>
+            <a:off x="0" y="0"/>
             <a:ext cx="1315453" cy="6858000"/>
           </a:xfrm>
           <a:prstGeom prst="rect">
@@ -46241,8 +46446,8 @@
         </p:nvSpPr>
         <p:spPr>
           <a:xfrm rot="16200000">
-            <a:off x="-1413878" y="12730"/>
-            <a:ext cx="4608871" cy="1325563"/>
+            <a:off x="-2622869" y="2919674"/>
+            <a:ext cx="6858000" cy="1018649"/>
           </a:xfrm>
           <a:prstGeom prst="rect">
             <a:avLst/>
@@ -46276,7 +46481,7 @@
                   <a:schemeClr val="bg1"/>
                 </a:solidFill>
               </a:rPr>
-              <a:t>Basic Java</a:t>
+              <a:t>Stream of Consciousness Java</a:t>
             </a:r>
           </a:p>
         </p:txBody>
@@ -46913,8 +47118,8 @@
         </p:nvSpPr>
         <p:spPr>
           <a:xfrm>
-            <a:off x="2382880" y="320152"/>
-            <a:ext cx="9504320" cy="6247864"/>
+            <a:off x="2351619" y="85691"/>
+            <a:ext cx="9504320" cy="7294305"/>
           </a:xfrm>
           <a:prstGeom prst="rect">
             <a:avLst/>
@@ -46931,14 +47136,22 @@
                 <a:latin typeface="Consolas" panose="020B0609020204030204" pitchFamily="49" charset="0"/>
                 <a:ea typeface="M+ 1m" panose="020B0509020203020207" pitchFamily="49" charset="-128"/>
               </a:rPr>
-              <a:t>import java.util.Scanner;</a:t>
-            </a:r>
-          </a:p>
-          <a:p>
-            <a:endParaRPr lang="en-CA" sz="400" b="1" dirty="0">
-              <a:latin typeface="Consolas" panose="020B0609020204030204" pitchFamily="49" charset="0"/>
-              <a:ea typeface="M+ 1m" panose="020B0509020203020207" pitchFamily="49" charset="-128"/>
-            </a:endParaRPr>
+              <a:t>import </a:t>
+            </a:r>
+            <a:r>
+              <a:rPr lang="en-CA" sz="1200" b="1" dirty="0" err="1">
+                <a:latin typeface="Consolas" panose="020B0609020204030204" pitchFamily="49" charset="0"/>
+                <a:ea typeface="M+ 1m" panose="020B0509020203020207" pitchFamily="49" charset="-128"/>
+              </a:rPr>
+              <a:t>java.util.Scanner</a:t>
+            </a:r>
+            <a:r>
+              <a:rPr lang="en-CA" sz="1200" b="1" dirty="0">
+                <a:latin typeface="Consolas" panose="020B0609020204030204" pitchFamily="49" charset="0"/>
+                <a:ea typeface="M+ 1m" panose="020B0509020203020207" pitchFamily="49" charset="-128"/>
+              </a:rPr>
+              <a:t>;</a:t>
+            </a:r>
           </a:p>
           <a:p>
             <a:r>
@@ -46950,7 +47163,7 @@
             </a:r>
           </a:p>
           <a:p>
-            <a:endParaRPr lang="en-CA" sz="400" b="1" dirty="0">
+            <a:endParaRPr lang="en-CA" sz="1200" b="1" dirty="0">
               <a:latin typeface="Consolas" panose="020B0609020204030204" pitchFamily="49" charset="0"/>
               <a:ea typeface="M+ 1m" panose="020B0509020203020207" pitchFamily="49" charset="-128"/>
             </a:endParaRPr>
@@ -46975,16 +47188,30 @@
                 <a:latin typeface="Consolas" panose="020B0609020204030204" pitchFamily="49" charset="0"/>
                 <a:ea typeface="M+ 1m" panose="020B0509020203020207" pitchFamily="49" charset="-128"/>
               </a:rPr>
-              <a:t> inputData() {</a:t>
-            </a:r>
-          </a:p>
-          <a:p>
+              <a:t> </a:t>
+            </a:r>
+            <a:r>
+              <a:rPr lang="en-CA" sz="1200" b="1" dirty="0" err="1">
+                <a:latin typeface="Consolas" panose="020B0609020204030204" pitchFamily="49" charset="0"/>
+                <a:ea typeface="M+ 1m" panose="020B0509020203020207" pitchFamily="49" charset="-128"/>
+              </a:rPr>
+              <a:t>inputData</a:t>
+            </a:r>
             <a:r>
               <a:rPr lang="en-CA" sz="1200" b="1" dirty="0">
                 <a:latin typeface="Consolas" panose="020B0609020204030204" pitchFamily="49" charset="0"/>
                 <a:ea typeface="M+ 1m" panose="020B0509020203020207" pitchFamily="49" charset="-128"/>
               </a:rPr>
-              <a:t>        Scanner </a:t>
+              <a:t>() {</a:t>
+            </a:r>
+          </a:p>
+          <a:p>
+            <a:r>
+              <a:rPr lang="en-CA" sz="1200" b="1" dirty="0">
+                <a:latin typeface="Consolas" panose="020B0609020204030204" pitchFamily="49" charset="0"/>
+                <a:ea typeface="M+ 1m" panose="020B0509020203020207" pitchFamily="49" charset="-128"/>
+              </a:rPr>
+              <a:t>        var </a:t>
             </a:r>
             <a:r>
               <a:rPr lang="en-CA" sz="1200" b="1" dirty="0" err="1">
@@ -47014,7 +47241,7 @@
                 <a:latin typeface="Consolas" panose="020B0609020204030204" pitchFamily="49" charset="0"/>
                 <a:ea typeface="M+ 1m" panose="020B0509020203020207" pitchFamily="49" charset="-128"/>
               </a:rPr>
-              <a:t>System.out.print</a:t>
+              <a:t>System.out.printf</a:t>
             </a:r>
             <a:r>
               <a:rPr lang="en-CA" sz="1200" b="1" dirty="0">
@@ -47030,7 +47257,7 @@
                 <a:latin typeface="Consolas" panose="020B0609020204030204" pitchFamily="49" charset="0"/>
                 <a:ea typeface="M+ 1m" panose="020B0509020203020207" pitchFamily="49" charset="-128"/>
               </a:rPr>
-              <a:t>        double loan = </a:t>
+              <a:t>        var loan = </a:t>
             </a:r>
             <a:r>
               <a:rPr lang="en-CA" sz="1200" b="1" dirty="0" err="1">
@@ -47060,7 +47287,7 @@
                 <a:latin typeface="Consolas" panose="020B0609020204030204" pitchFamily="49" charset="0"/>
                 <a:ea typeface="M+ 1m" panose="020B0509020203020207" pitchFamily="49" charset="-128"/>
               </a:rPr>
-              <a:t>System.out.print</a:t>
+              <a:t>System.out.printf</a:t>
             </a:r>
             <a:r>
               <a:rPr lang="en-CA" sz="1200" b="1" dirty="0">
@@ -47076,7 +47303,7 @@
                 <a:latin typeface="Consolas" panose="020B0609020204030204" pitchFamily="49" charset="0"/>
                 <a:ea typeface="M+ 1m" panose="020B0509020203020207" pitchFamily="49" charset="-128"/>
               </a:rPr>
-              <a:t>        double interest = </a:t>
+              <a:t>        var interest = </a:t>
             </a:r>
             <a:r>
               <a:rPr lang="en-CA" sz="1200" b="1" dirty="0" err="1">
@@ -47106,7 +47333,7 @@
                 <a:latin typeface="Consolas" panose="020B0609020204030204" pitchFamily="49" charset="0"/>
                 <a:ea typeface="M+ 1m" panose="020B0509020203020207" pitchFamily="49" charset="-128"/>
               </a:rPr>
-              <a:t>System.out.print</a:t>
+              <a:t>System.out.printf</a:t>
             </a:r>
             <a:r>
               <a:rPr lang="en-CA" sz="1200" b="1" dirty="0">
@@ -47122,7 +47349,7 @@
                 <a:latin typeface="Consolas" panose="020B0609020204030204" pitchFamily="49" charset="0"/>
                 <a:ea typeface="M+ 1m" panose="020B0509020203020207" pitchFamily="49" charset="-128"/>
               </a:rPr>
-              <a:t>        double term = </a:t>
+              <a:t>        var term = </a:t>
             </a:r>
             <a:r>
               <a:rPr lang="en-CA" sz="1200" b="1" dirty="0" err="1">
@@ -47172,7 +47399,7 @@
             </a:r>
           </a:p>
           <a:p>
-            <a:endParaRPr lang="en-CA" sz="400" b="1" dirty="0">
+            <a:endParaRPr lang="en-CA" sz="1200" b="1" dirty="0">
               <a:latin typeface="Consolas" panose="020B0609020204030204" pitchFamily="49" charset="0"/>
               <a:ea typeface="M+ 1m" panose="020B0509020203020207" pitchFamily="49" charset="-128"/>
             </a:endParaRPr>
@@ -47220,7 +47447,7 @@
                 <a:latin typeface="Consolas" panose="020B0609020204030204" pitchFamily="49" charset="0"/>
                 <a:ea typeface="M+ 1m" panose="020B0509020203020207" pitchFamily="49" charset="-128"/>
               </a:rPr>
-              <a:t>        double </a:t>
+              <a:t>        var </a:t>
             </a:r>
             <a:r>
               <a:rPr lang="en-CA" sz="1200" b="1" dirty="0" err="1">
@@ -47257,7 +47484,7 @@
                 <a:latin typeface="Consolas" panose="020B0609020204030204" pitchFamily="49" charset="0"/>
                 <a:ea typeface="M+ 1m" panose="020B0509020203020207" pitchFamily="49" charset="-128"/>
               </a:rPr>
-              <a:t>        double result = </a:t>
+              <a:t>        var result = </a:t>
             </a:r>
             <a:r>
               <a:rPr lang="en-CA" sz="1200" b="1" dirty="0" err="1">
@@ -47349,7 +47576,7 @@
             </a:r>
           </a:p>
           <a:p>
-            <a:endParaRPr lang="en-CA" sz="400" b="1" dirty="0">
+            <a:endParaRPr lang="en-CA" sz="1200" b="1" dirty="0">
               <a:latin typeface="Consolas" panose="020B0609020204030204" pitchFamily="49" charset="0"/>
               <a:ea typeface="M+ 1m" panose="020B0509020203020207" pitchFamily="49" charset="-128"/>
             </a:endParaRPr>
@@ -47390,28 +47617,14 @@
                 <a:latin typeface="Consolas" panose="020B0609020204030204" pitchFamily="49" charset="0"/>
                 <a:ea typeface="M+ 1m" panose="020B0509020203020207" pitchFamily="49" charset="-128"/>
               </a:rPr>
-              <a:t>System.out.println</a:t>
+              <a:t>System.out.printf</a:t>
             </a:r>
             <a:r>
               <a:rPr lang="en-CA" sz="1200" b="1" dirty="0">
                 <a:latin typeface="Consolas" panose="020B0609020204030204" pitchFamily="49" charset="0"/>
                 <a:ea typeface="M+ 1m" panose="020B0509020203020207" pitchFamily="49" charset="-128"/>
               </a:rPr>
-              <a:t>("Monthly Payment: " + </a:t>
-            </a:r>
-            <a:r>
-              <a:rPr lang="en-CA" sz="1200" b="1" dirty="0" err="1">
-                <a:latin typeface="Consolas" panose="020B0609020204030204" pitchFamily="49" charset="0"/>
-                <a:ea typeface="M+ 1m" panose="020B0509020203020207" pitchFamily="49" charset="-128"/>
-              </a:rPr>
-              <a:t>String.format</a:t>
-            </a:r>
-            <a:r>
-              <a:rPr lang="en-CA" sz="1200" b="1" dirty="0">
-                <a:latin typeface="Consolas" panose="020B0609020204030204" pitchFamily="49" charset="0"/>
-                <a:ea typeface="M+ 1m" panose="020B0509020203020207" pitchFamily="49" charset="-128"/>
-              </a:rPr>
-              <a:t>("%.2f", result));</a:t>
+              <a:t>("Monthly Payment: %.2f%n", result);</a:t>
             </a:r>
           </a:p>
           <a:p>
@@ -47424,7 +47637,7 @@
             </a:r>
           </a:p>
           <a:p>
-            <a:endParaRPr lang="en-CA" sz="400" b="1" dirty="0">
+            <a:endParaRPr lang="en-CA" sz="1200" b="1" dirty="0">
               <a:latin typeface="Consolas" panose="020B0609020204030204" pitchFamily="49" charset="0"/>
               <a:ea typeface="M+ 1m" panose="020B0509020203020207" pitchFamily="49" charset="-128"/>
             </a:endParaRPr>
@@ -47444,7 +47657,21 @@
                 <a:latin typeface="Consolas" panose="020B0609020204030204" pitchFamily="49" charset="0"/>
                 <a:ea typeface="M+ 1m" panose="020B0509020203020207" pitchFamily="49" charset="-128"/>
               </a:rPr>
-              <a:t>        var loan = inputData();</a:t>
+              <a:t>        var loan = </a:t>
+            </a:r>
+            <a:r>
+              <a:rPr lang="en-CA" sz="1200" b="1" dirty="0" err="1">
+                <a:latin typeface="Consolas" panose="020B0609020204030204" pitchFamily="49" charset="0"/>
+                <a:ea typeface="M+ 1m" panose="020B0509020203020207" pitchFamily="49" charset="-128"/>
+              </a:rPr>
+              <a:t>inputData</a:t>
+            </a:r>
+            <a:r>
+              <a:rPr lang="en-CA" sz="1200" b="1" dirty="0">
+                <a:latin typeface="Consolas" panose="020B0609020204030204" pitchFamily="49" charset="0"/>
+                <a:ea typeface="M+ 1m" panose="020B0509020203020207" pitchFamily="49" charset="-128"/>
+              </a:rPr>
+              <a:t>();</a:t>
             </a:r>
           </a:p>
           <a:p>
@@ -47503,7 +47730,7 @@
             </a:r>
           </a:p>
           <a:p>
-            <a:endParaRPr lang="en-CA" sz="400" b="1" dirty="0">
+            <a:endParaRPr lang="en-CA" sz="1200" b="1" dirty="0">
               <a:latin typeface="Consolas" panose="020B0609020204030204" pitchFamily="49" charset="0"/>
               <a:ea typeface="M+ 1m" panose="020B0509020203020207" pitchFamily="49" charset="-128"/>
             </a:endParaRPr>
@@ -47537,30 +47764,7 @@
                 <a:latin typeface="Consolas" panose="020B0609020204030204" pitchFamily="49" charset="0"/>
                 <a:ea typeface="M+ 1m" panose="020B0509020203020207" pitchFamily="49" charset="-128"/>
               </a:rPr>
-              <a:t>        JavaCalculator03 calc = new JavaCalculator03();</a:t>
-            </a:r>
-          </a:p>
-          <a:p>
-            <a:r>
-              <a:rPr lang="en-CA" sz="1200" b="1" dirty="0">
-                <a:latin typeface="Consolas" panose="020B0609020204030204" pitchFamily="49" charset="0"/>
-                <a:ea typeface="M+ 1m" panose="020B0509020203020207" pitchFamily="49" charset="-128"/>
-              </a:rPr>
-              <a:t>        </a:t>
-            </a:r>
-            <a:r>
-              <a:rPr lang="en-CA" sz="1200" b="1" dirty="0" err="1">
-                <a:latin typeface="Consolas" panose="020B0609020204030204" pitchFamily="49" charset="0"/>
-                <a:ea typeface="M+ 1m" panose="020B0509020203020207" pitchFamily="49" charset="-128"/>
-              </a:rPr>
-              <a:t>calc.perform</a:t>
-            </a:r>
-            <a:r>
-              <a:rPr lang="en-CA" sz="1200" b="1" dirty="0">
-                <a:latin typeface="Consolas" panose="020B0609020204030204" pitchFamily="49" charset="0"/>
-                <a:ea typeface="M+ 1m" panose="020B0509020203020207" pitchFamily="49" charset="-128"/>
-              </a:rPr>
-              <a:t>();</a:t>
+              <a:t>        new JavaCalculator03().perform();</a:t>
             </a:r>
           </a:p>
           <a:p>
@@ -47582,7 +47786,7 @@
             </a:r>
           </a:p>
           <a:p>
-            <a:endParaRPr lang="en-CA" sz="400" b="1" dirty="0">
+            <a:endParaRPr lang="en-CA" sz="1200" b="1" dirty="0">
               <a:latin typeface="Consolas" panose="020B0609020204030204" pitchFamily="49" charset="0"/>
               <a:ea typeface="M+ 1m" panose="020B0509020203020207" pitchFamily="49" charset="-128"/>
             </a:endParaRPr>
@@ -47608,6 +47812,30 @@
                 <a:ea typeface="M+ 1m" panose="020B0509020203020207" pitchFamily="49" charset="-128"/>
               </a:rPr>
               <a:t>(double loan, double interest, double term) {}</a:t>
+            </a:r>
+          </a:p>
+          <a:p>
+            <a:endParaRPr lang="en-CA" sz="1200" b="1" dirty="0">
+              <a:latin typeface="Consolas" panose="020B0609020204030204" pitchFamily="49" charset="0"/>
+              <a:ea typeface="M+ 1m" panose="020B0509020203020207" pitchFamily="49" charset="-128"/>
+            </a:endParaRPr>
+          </a:p>
+          <a:p>
+            <a:r>
+              <a:rPr lang="en-CA" sz="1200" b="1" dirty="0">
+                <a:latin typeface="Consolas" panose="020B0609020204030204" pitchFamily="49" charset="0"/>
+                <a:ea typeface="M+ 1m" panose="020B0509020203020207" pitchFamily="49" charset="-128"/>
+              </a:rPr>
+              <a:t>// Single Source File Code example</a:t>
+            </a:r>
+          </a:p>
+          <a:p>
+            <a:r>
+              <a:rPr lang="en-CA" sz="1200" b="1" dirty="0">
+                <a:latin typeface="Consolas" panose="020B0609020204030204" pitchFamily="49" charset="0"/>
+                <a:ea typeface="M+ 1m" panose="020B0509020203020207" pitchFamily="49" charset="-128"/>
+              </a:rPr>
+              <a:t>// runs with java JavaCalculator03.java</a:t>
             </a:r>
           </a:p>
         </p:txBody>
@@ -50967,11 +51195,17 @@
           <p:cNvGraphicFramePr>
             <a:graphicFrameLocks noGrp="1"/>
           </p:cNvGraphicFramePr>
-          <p:nvPr/>
+          <p:nvPr>
+            <p:extLst>
+              <p:ext uri="{D42A27DB-BD31-4B8C-83A1-F6EECF244321}">
+                <p14:modId xmlns:p14="http://schemas.microsoft.com/office/powerpoint/2010/main" val="3840696569"/>
+              </p:ext>
+            </p:extLst>
+          </p:nvPr>
         </p:nvGraphicFramePr>
         <p:xfrm>
           <a:off x="4336285" y="1231842"/>
-          <a:ext cx="7741644" cy="4394316"/>
+          <a:ext cx="6451370" cy="4394316"/>
         </p:xfrm>
         <a:graphic>
           <a:graphicData uri="http://schemas.openxmlformats.org/drawingml/2006/table">
@@ -50989,13 +51223,6 @@
                   <a:extLst>
                     <a:ext uri="{9D8B030D-6E8A-4147-A177-3AD203B41FA5}">
                       <a16:colId xmlns:a16="http://schemas.microsoft.com/office/drawing/2014/main" val="3482469429"/>
-                    </a:ext>
-                  </a:extLst>
-                </a:gridCol>
-                <a:gridCol w="1290274">
-                  <a:extLst>
-                    <a:ext uri="{9D8B030D-6E8A-4147-A177-3AD203B41FA5}">
-                      <a16:colId xmlns:a16="http://schemas.microsoft.com/office/drawing/2014/main" val="471046904"/>
                     </a:ext>
                   </a:extLst>
                 </a:gridCol>
@@ -51068,41 +51295,6 @@
                           <a:effectLst/>
                         </a:rPr>
                         <a:t>Jul 2019</a:t>
-                      </a:r>
-                    </a:p>
-                  </a:txBody>
-                  <a:tcPr marL="66738" marR="66738" marT="66738" marB="66738" anchor="b">
-                    <a:lnL>
-                      <a:noFill/>
-                    </a:lnL>
-                    <a:lnR>
-                      <a:noFill/>
-                    </a:lnR>
-                    <a:lnT>
-                      <a:noFill/>
-                    </a:lnT>
-                    <a:lnB w="19050" cap="flat" cmpd="sng" algn="ctr">
-                      <a:solidFill>
-                        <a:srgbClr val="DDDDDD"/>
-                      </a:solidFill>
-                      <a:prstDash val="solid"/>
-                      <a:round/>
-                      <a:headEnd type="none" w="med" len="med"/>
-                      <a:tailEnd type="none" w="med" len="med"/>
-                    </a:lnB>
-                  </a:tcPr>
-                </a:tc>
-                <a:tc>
-                  <a:txBody>
-                    <a:bodyPr/>
-                    <a:lstStyle/>
-                    <a:p>
-                      <a:pPr algn="l" fontAlgn="b"/>
-                      <a:r>
-                        <a:rPr lang="en-CA" sz="1600">
-                          <a:effectLst/>
-                        </a:rPr>
-                        <a:t>Change</a:t>
                       </a:r>
                     </a:p>
                   </a:txBody>
@@ -51295,47 +51487,6 @@
                         </a:rPr>
                         <a:t>2</a:t>
                       </a:r>
-                    </a:p>
-                  </a:txBody>
-                  <a:tcPr marL="66738" marR="66738" marT="66738" marB="66738">
-                    <a:lnL>
-                      <a:noFill/>
-                    </a:lnL>
-                    <a:lnR>
-                      <a:noFill/>
-                    </a:lnR>
-                    <a:lnT w="19050" cap="flat" cmpd="sng" algn="ctr">
-                      <a:solidFill>
-                        <a:srgbClr val="DDDDDD"/>
-                      </a:solidFill>
-                      <a:prstDash val="solid"/>
-                      <a:round/>
-                      <a:headEnd type="none" w="med" len="med"/>
-                      <a:tailEnd type="none" w="med" len="med"/>
-                    </a:lnT>
-                    <a:lnB w="9525" cap="flat" cmpd="sng" algn="ctr">
-                      <a:solidFill>
-                        <a:srgbClr val="DDDDDD"/>
-                      </a:solidFill>
-                      <a:prstDash val="solid"/>
-                      <a:round/>
-                      <a:headEnd type="none" w="med" len="med"/>
-                      <a:tailEnd type="none" w="med" len="med"/>
-                    </a:lnB>
-                    <a:solidFill>
-                      <a:srgbClr val="F9F9F9"/>
-                    </a:solidFill>
-                  </a:tcPr>
-                </a:tc>
-                <a:tc>
-                  <a:txBody>
-                    <a:bodyPr/>
-                    <a:lstStyle/>
-                    <a:p>
-                      <a:pPr algn="l" fontAlgn="t"/>
-                      <a:endParaRPr lang="en-CA" sz="1600">
-                        <a:effectLst/>
-                      </a:endParaRPr>
                     </a:p>
                   </a:txBody>
                   <a:tcPr marL="66738" marR="66738" marT="66738" marB="66738">
@@ -51595,44 +51746,6 @@
                     <a:lstStyle/>
                     <a:p>
                       <a:pPr fontAlgn="t"/>
-                      <a:endParaRPr lang="en-CA" sz="1600">
-                        <a:effectLst/>
-                      </a:endParaRPr>
-                    </a:p>
-                  </a:txBody>
-                  <a:tcPr marL="66738" marR="66738" marT="66738" marB="66738">
-                    <a:lnL>
-                      <a:noFill/>
-                    </a:lnL>
-                    <a:lnR>
-                      <a:noFill/>
-                    </a:lnR>
-                    <a:lnT w="9525" cap="flat" cmpd="sng" algn="ctr">
-                      <a:solidFill>
-                        <a:srgbClr val="DDDDDD"/>
-                      </a:solidFill>
-                      <a:prstDash val="solid"/>
-                      <a:round/>
-                      <a:headEnd type="none" w="med" len="med"/>
-                      <a:tailEnd type="none" w="med" len="med"/>
-                    </a:lnT>
-                    <a:lnB w="9525" cap="flat" cmpd="sng" algn="ctr">
-                      <a:solidFill>
-                        <a:srgbClr val="DDDDDD"/>
-                      </a:solidFill>
-                      <a:prstDash val="solid"/>
-                      <a:round/>
-                      <a:headEnd type="none" w="med" len="med"/>
-                      <a:tailEnd type="none" w="med" len="med"/>
-                    </a:lnB>
-                  </a:tcPr>
-                </a:tc>
-                <a:tc>
-                  <a:txBody>
-                    <a:bodyPr/>
-                    <a:lstStyle/>
-                    <a:p>
-                      <a:pPr fontAlgn="t"/>
                       <a:r>
                         <a:rPr lang="en-CA" sz="1600">
                           <a:effectLst/>
@@ -51813,47 +51926,6 @@
                         </a:rPr>
                         <a:t>3</a:t>
                       </a:r>
-                    </a:p>
-                  </a:txBody>
-                  <a:tcPr marL="66738" marR="66738" marT="66738" marB="66738">
-                    <a:lnL>
-                      <a:noFill/>
-                    </a:lnL>
-                    <a:lnR>
-                      <a:noFill/>
-                    </a:lnR>
-                    <a:lnT w="9525" cap="flat" cmpd="sng" algn="ctr">
-                      <a:solidFill>
-                        <a:srgbClr val="DDDDDD"/>
-                      </a:solidFill>
-                      <a:prstDash val="solid"/>
-                      <a:round/>
-                      <a:headEnd type="none" w="med" len="med"/>
-                      <a:tailEnd type="none" w="med" len="med"/>
-                    </a:lnT>
-                    <a:lnB w="9525" cap="flat" cmpd="sng" algn="ctr">
-                      <a:solidFill>
-                        <a:srgbClr val="DDDDDD"/>
-                      </a:solidFill>
-                      <a:prstDash val="solid"/>
-                      <a:round/>
-                      <a:headEnd type="none" w="med" len="med"/>
-                      <a:tailEnd type="none" w="med" len="med"/>
-                    </a:lnB>
-                    <a:solidFill>
-                      <a:srgbClr val="F9F9F9"/>
-                    </a:solidFill>
-                  </a:tcPr>
-                </a:tc>
-                <a:tc>
-                  <a:txBody>
-                    <a:bodyPr/>
-                    <a:lstStyle/>
-                    <a:p>
-                      <a:pPr algn="l" fontAlgn="t"/>
-                      <a:endParaRPr lang="en-CA" sz="1600">
-                        <a:effectLst/>
-                      </a:endParaRPr>
                     </a:p>
                   </a:txBody>
                   <a:tcPr marL="66738" marR="66738" marT="66738" marB="66738">
@@ -52113,44 +52185,6 @@
                     <a:lstStyle/>
                     <a:p>
                       <a:pPr fontAlgn="t"/>
-                      <a:endParaRPr lang="en-CA" sz="1600" dirty="0">
-                        <a:effectLst/>
-                      </a:endParaRPr>
-                    </a:p>
-                  </a:txBody>
-                  <a:tcPr marL="66738" marR="66738" marT="66738" marB="66738">
-                    <a:lnL>
-                      <a:noFill/>
-                    </a:lnL>
-                    <a:lnR>
-                      <a:noFill/>
-                    </a:lnR>
-                    <a:lnT w="9525" cap="flat" cmpd="sng" algn="ctr">
-                      <a:solidFill>
-                        <a:srgbClr val="DDDDDD"/>
-                      </a:solidFill>
-                      <a:prstDash val="solid"/>
-                      <a:round/>
-                      <a:headEnd type="none" w="med" len="med"/>
-                      <a:tailEnd type="none" w="med" len="med"/>
-                    </a:lnT>
-                    <a:lnB w="9525" cap="flat" cmpd="sng" algn="ctr">
-                      <a:solidFill>
-                        <a:srgbClr val="DDDDDD"/>
-                      </a:solidFill>
-                      <a:prstDash val="solid"/>
-                      <a:round/>
-                      <a:headEnd type="none" w="med" len="med"/>
-                      <a:tailEnd type="none" w="med" len="med"/>
-                    </a:lnB>
-                  </a:tcPr>
-                </a:tc>
-                <a:tc>
-                  <a:txBody>
-                    <a:bodyPr/>
-                    <a:lstStyle/>
-                    <a:p>
-                      <a:pPr fontAlgn="t"/>
                       <a:r>
                         <a:rPr lang="en-CA" sz="1600">
                           <a:effectLst/>
@@ -52331,47 +52365,6 @@
                         </a:rPr>
                         <a:t>5</a:t>
                       </a:r>
-                    </a:p>
-                  </a:txBody>
-                  <a:tcPr marL="66738" marR="66738" marT="66738" marB="66738">
-                    <a:lnL>
-                      <a:noFill/>
-                    </a:lnL>
-                    <a:lnR>
-                      <a:noFill/>
-                    </a:lnR>
-                    <a:lnT w="9525" cap="flat" cmpd="sng" algn="ctr">
-                      <a:solidFill>
-                        <a:srgbClr val="DDDDDD"/>
-                      </a:solidFill>
-                      <a:prstDash val="solid"/>
-                      <a:round/>
-                      <a:headEnd type="none" w="med" len="med"/>
-                      <a:tailEnd type="none" w="med" len="med"/>
-                    </a:lnT>
-                    <a:lnB w="9525" cap="flat" cmpd="sng" algn="ctr">
-                      <a:solidFill>
-                        <a:srgbClr val="DDDDDD"/>
-                      </a:solidFill>
-                      <a:prstDash val="solid"/>
-                      <a:round/>
-                      <a:headEnd type="none" w="med" len="med"/>
-                      <a:tailEnd type="none" w="med" len="med"/>
-                    </a:lnB>
-                    <a:solidFill>
-                      <a:srgbClr val="F9F9F9"/>
-                    </a:solidFill>
-                  </a:tcPr>
-                </a:tc>
-                <a:tc>
-                  <a:txBody>
-                    <a:bodyPr/>
-                    <a:lstStyle/>
-                    <a:p>
-                      <a:pPr algn="l" fontAlgn="t"/>
-                      <a:endParaRPr lang="en-CA" sz="1600" dirty="0">
-                        <a:effectLst/>
-                      </a:endParaRPr>
                     </a:p>
                   </a:txBody>
                   <a:tcPr marL="66738" marR="66738" marT="66738" marB="66738">
@@ -52631,44 +52624,6 @@
                     <a:lstStyle/>
                     <a:p>
                       <a:pPr fontAlgn="t"/>
-                      <a:endParaRPr lang="en-CA" sz="1600">
-                        <a:effectLst/>
-                      </a:endParaRPr>
-                    </a:p>
-                  </a:txBody>
-                  <a:tcPr marL="66738" marR="66738" marT="66738" marB="66738">
-                    <a:lnL>
-                      <a:noFill/>
-                    </a:lnL>
-                    <a:lnR>
-                      <a:noFill/>
-                    </a:lnR>
-                    <a:lnT w="9525" cap="flat" cmpd="sng" algn="ctr">
-                      <a:solidFill>
-                        <a:srgbClr val="DDDDDD"/>
-                      </a:solidFill>
-                      <a:prstDash val="solid"/>
-                      <a:round/>
-                      <a:headEnd type="none" w="med" len="med"/>
-                      <a:tailEnd type="none" w="med" len="med"/>
-                    </a:lnT>
-                    <a:lnB w="9525" cap="flat" cmpd="sng" algn="ctr">
-                      <a:solidFill>
-                        <a:srgbClr val="DDDDDD"/>
-                      </a:solidFill>
-                      <a:prstDash val="solid"/>
-                      <a:round/>
-                      <a:headEnd type="none" w="med" len="med"/>
-                      <a:tailEnd type="none" w="med" len="med"/>
-                    </a:lnB>
-                  </a:tcPr>
-                </a:tc>
-                <a:tc>
-                  <a:txBody>
-                    <a:bodyPr/>
-                    <a:lstStyle/>
-                    <a:p>
-                      <a:pPr fontAlgn="t"/>
                       <a:r>
                         <a:rPr lang="en-CA" sz="1600">
                           <a:effectLst/>
@@ -52849,47 +52804,6 @@
                         </a:rPr>
                         <a:t>7</a:t>
                       </a:r>
-                    </a:p>
-                  </a:txBody>
-                  <a:tcPr marL="66738" marR="66738" marT="66738" marB="66738">
-                    <a:lnL>
-                      <a:noFill/>
-                    </a:lnL>
-                    <a:lnR>
-                      <a:noFill/>
-                    </a:lnR>
-                    <a:lnT w="9525" cap="flat" cmpd="sng" algn="ctr">
-                      <a:solidFill>
-                        <a:srgbClr val="DDDDDD"/>
-                      </a:solidFill>
-                      <a:prstDash val="solid"/>
-                      <a:round/>
-                      <a:headEnd type="none" w="med" len="med"/>
-                      <a:tailEnd type="none" w="med" len="med"/>
-                    </a:lnT>
-                    <a:lnB w="9525" cap="flat" cmpd="sng" algn="ctr">
-                      <a:solidFill>
-                        <a:srgbClr val="DDDDDD"/>
-                      </a:solidFill>
-                      <a:prstDash val="solid"/>
-                      <a:round/>
-                      <a:headEnd type="none" w="med" len="med"/>
-                      <a:tailEnd type="none" w="med" len="med"/>
-                    </a:lnB>
-                    <a:solidFill>
-                      <a:srgbClr val="F9F9F9"/>
-                    </a:solidFill>
-                  </a:tcPr>
-                </a:tc>
-                <a:tc>
-                  <a:txBody>
-                    <a:bodyPr/>
-                    <a:lstStyle/>
-                    <a:p>
-                      <a:pPr algn="l" fontAlgn="t"/>
-                      <a:endParaRPr lang="en-CA" sz="1600">
-                        <a:effectLst/>
-                      </a:endParaRPr>
                     </a:p>
                   </a:txBody>
                   <a:tcPr marL="66738" marR="66738" marT="66738" marB="66738">
@@ -53149,44 +53063,6 @@
                     <a:lstStyle/>
                     <a:p>
                       <a:pPr fontAlgn="t"/>
-                      <a:endParaRPr lang="en-CA" sz="1600">
-                        <a:effectLst/>
-                      </a:endParaRPr>
-                    </a:p>
-                  </a:txBody>
-                  <a:tcPr marL="66738" marR="66738" marT="66738" marB="66738">
-                    <a:lnL>
-                      <a:noFill/>
-                    </a:lnL>
-                    <a:lnR>
-                      <a:noFill/>
-                    </a:lnR>
-                    <a:lnT w="9525" cap="flat" cmpd="sng" algn="ctr">
-                      <a:solidFill>
-                        <a:srgbClr val="DDDDDD"/>
-                      </a:solidFill>
-                      <a:prstDash val="solid"/>
-                      <a:round/>
-                      <a:headEnd type="none" w="med" len="med"/>
-                      <a:tailEnd type="none" w="med" len="med"/>
-                    </a:lnT>
-                    <a:lnB w="9525" cap="flat" cmpd="sng" algn="ctr">
-                      <a:solidFill>
-                        <a:srgbClr val="DDDDDD"/>
-                      </a:solidFill>
-                      <a:prstDash val="solid"/>
-                      <a:round/>
-                      <a:headEnd type="none" w="med" len="med"/>
-                      <a:tailEnd type="none" w="med" len="med"/>
-                    </a:lnB>
-                  </a:tcPr>
-                </a:tc>
-                <a:tc>
-                  <a:txBody>
-                    <a:bodyPr/>
-                    <a:lstStyle/>
-                    <a:p>
-                      <a:pPr fontAlgn="t"/>
                       <a:r>
                         <a:rPr lang="en-CA" sz="1600">
                           <a:effectLst/>
@@ -53367,47 +53243,6 @@
                         </a:rPr>
                         <a:t>8</a:t>
                       </a:r>
-                    </a:p>
-                  </a:txBody>
-                  <a:tcPr marL="66738" marR="66738" marT="66738" marB="66738">
-                    <a:lnL>
-                      <a:noFill/>
-                    </a:lnL>
-                    <a:lnR>
-                      <a:noFill/>
-                    </a:lnR>
-                    <a:lnT w="9525" cap="flat" cmpd="sng" algn="ctr">
-                      <a:solidFill>
-                        <a:srgbClr val="DDDDDD"/>
-                      </a:solidFill>
-                      <a:prstDash val="solid"/>
-                      <a:round/>
-                      <a:headEnd type="none" w="med" len="med"/>
-                      <a:tailEnd type="none" w="med" len="med"/>
-                    </a:lnT>
-                    <a:lnB w="9525" cap="flat" cmpd="sng" algn="ctr">
-                      <a:solidFill>
-                        <a:srgbClr val="DDDDDD"/>
-                      </a:solidFill>
-                      <a:prstDash val="solid"/>
-                      <a:round/>
-                      <a:headEnd type="none" w="med" len="med"/>
-                      <a:tailEnd type="none" w="med" len="med"/>
-                    </a:lnB>
-                    <a:solidFill>
-                      <a:srgbClr val="F9F9F9"/>
-                    </a:solidFill>
-                  </a:tcPr>
-                </a:tc>
-                <a:tc>
-                  <a:txBody>
-                    <a:bodyPr/>
-                    <a:lstStyle/>
-                    <a:p>
-                      <a:pPr algn="l" fontAlgn="t"/>
-                      <a:endParaRPr lang="en-CA" sz="1600">
-                        <a:effectLst/>
-                      </a:endParaRPr>
                     </a:p>
                   </a:txBody>
                   <a:tcPr marL="66738" marR="66738" marT="66738" marB="66738">
@@ -53667,46 +53502,8 @@
                     <a:lstStyle/>
                     <a:p>
                       <a:pPr fontAlgn="t"/>
-                      <a:endParaRPr lang="en-CA" sz="1600">
-                        <a:effectLst/>
-                      </a:endParaRPr>
-                    </a:p>
-                  </a:txBody>
-                  <a:tcPr marL="66738" marR="66738" marT="66738" marB="66738">
-                    <a:lnL>
-                      <a:noFill/>
-                    </a:lnL>
-                    <a:lnR>
-                      <a:noFill/>
-                    </a:lnR>
-                    <a:lnT w="9525" cap="flat" cmpd="sng" algn="ctr">
-                      <a:solidFill>
-                        <a:srgbClr val="DDDDDD"/>
-                      </a:solidFill>
-                      <a:prstDash val="solid"/>
-                      <a:round/>
-                      <a:headEnd type="none" w="med" len="med"/>
-                      <a:tailEnd type="none" w="med" len="med"/>
-                    </a:lnT>
-                    <a:lnB w="9525" cap="flat" cmpd="sng" algn="ctr">
-                      <a:solidFill>
-                        <a:srgbClr val="DDDDDD"/>
-                      </a:solidFill>
-                      <a:prstDash val="solid"/>
-                      <a:round/>
-                      <a:headEnd type="none" w="med" len="med"/>
-                      <a:tailEnd type="none" w="med" len="med"/>
-                    </a:lnB>
-                  </a:tcPr>
-                </a:tc>
-                <a:tc>
-                  <a:txBody>
-                    <a:bodyPr/>
-                    <a:lstStyle/>
-                    <a:p>
-                      <a:pPr fontAlgn="t"/>
                       <a:r>
-                        <a:rPr lang="en-CA" sz="1600">
+                        <a:rPr lang="en-CA" sz="1600" dirty="0">
                           <a:effectLst/>
                         </a:rPr>
                         <a:t>Swift</a:t>
